--- a/Jan 2 Meeting.pptx
+++ b/Jan 2 Meeting.pptx
@@ -4742,7 +4742,7 @@
       </p:sp>
       <p:pic>
         <p:nvPicPr>
-          <p:cNvPr id="4" name="Picture 3" descr="Screen Shot 2019-01-01 at 5.00.27 PM.png"/>
+          <p:cNvPr id="5" name="Picture 4" descr="Screen Shot 2019-01-01 at 7.08.29 PM.png"/>
           <p:cNvPicPr>
             <a:picLocks noChangeAspect="1"/>
           </p:cNvPicPr>
@@ -4762,8 +4762,8 @@
         </p:blipFill>
         <p:spPr>
           <a:xfrm>
-            <a:off x="3629981" y="2660560"/>
-            <a:ext cx="5118426" cy="4246481"/>
+            <a:off x="3693807" y="2717800"/>
+            <a:ext cx="5054600" cy="4140200"/>
           </a:xfrm>
           <a:prstGeom prst="rect">
             <a:avLst/>
